--- a/Documentação/Design Pattern.pptx
+++ b/Documentação/Design Pattern.pptx
@@ -8,6 +8,8 @@
     <p:sldId id="262" r:id="rId2"/>
     <p:sldId id="260" r:id="rId3"/>
     <p:sldId id="261" r:id="rId4"/>
+    <p:sldId id="263" r:id="rId5"/>
+    <p:sldId id="264" r:id="rId6"/>
   </p:sldIdLst>
   <p:sldSz cx="12192000" cy="6858000"/>
   <p:notesSz cx="6858000" cy="9144000"/>
@@ -5824,8 +5826,12 @@
               <a:t>Pattern</a:t>
             </a:r>
             <a:r>
-              <a:rPr lang="pt-BR" smtClean="0"/>
-              <a:t> Iterator</a:t>
+              <a:rPr lang="pt-BR" dirty="0" smtClean="0"/>
+              <a:t> </a:t>
+            </a:r>
+            <a:r>
+              <a:rPr lang="pt-BR" dirty="0" err="1" smtClean="0"/>
+              <a:t>Iterator</a:t>
             </a:r>
             <a:endParaRPr lang="pt-BR" dirty="0"/>
           </a:p>
@@ -6001,6 +6007,230 @@
     <p:extLst>
       <p:ext uri="{BB962C8B-B14F-4D97-AF65-F5344CB8AC3E}">
         <p14:creationId xmlns:p14="http://schemas.microsoft.com/office/powerpoint/2010/main" val="2245414270"/>
+      </p:ext>
+    </p:extLst>
+  </p:cSld>
+  <p:clrMapOvr>
+    <a:masterClrMapping/>
+  </p:clrMapOvr>
+  <p:timing>
+    <p:tnLst>
+      <p:par>
+        <p:cTn id="1" dur="indefinite" restart="never" nodeType="tmRoot"/>
+      </p:par>
+    </p:tnLst>
+  </p:timing>
+</p:sld>
+</file>
+
+<file path=ppt/slides/slide4.xml><?xml version="1.0" encoding="utf-8"?>
+<p:sld xmlns:a="http://schemas.openxmlformats.org/drawingml/2006/main" xmlns:r="http://schemas.openxmlformats.org/officeDocument/2006/relationships" xmlns:p="http://schemas.openxmlformats.org/presentationml/2006/main">
+  <p:cSld>
+    <p:spTree>
+      <p:nvGrpSpPr>
+        <p:cNvPr id="1" name=""/>
+        <p:cNvGrpSpPr/>
+        <p:nvPr/>
+      </p:nvGrpSpPr>
+      <p:grpSpPr>
+        <a:xfrm>
+          <a:off x="0" y="0"/>
+          <a:ext cx="0" cy="0"/>
+          <a:chOff x="0" y="0"/>
+          <a:chExt cx="0" cy="0"/>
+        </a:xfrm>
+      </p:grpSpPr>
+      <p:sp>
+        <p:nvSpPr>
+          <p:cNvPr id="2" name="Título 1"/>
+          <p:cNvSpPr>
+            <a:spLocks noGrp="1"/>
+          </p:cNvSpPr>
+          <p:nvPr>
+            <p:ph type="title"/>
+          </p:nvPr>
+        </p:nvSpPr>
+        <p:spPr/>
+        <p:txBody>
+          <a:bodyPr/>
+          <a:lstStyle/>
+          <a:p>
+            <a:r>
+              <a:rPr lang="pt-BR" dirty="0" err="1" smtClean="0"/>
+              <a:t>Pattern</a:t>
+            </a:r>
+            <a:r>
+              <a:rPr lang="pt-BR" dirty="0" smtClean="0"/>
+              <a:t> </a:t>
+            </a:r>
+            <a:r>
+              <a:rPr lang="pt-BR" dirty="0" err="1" smtClean="0"/>
+              <a:t>Composite</a:t>
+            </a:r>
+            <a:endParaRPr lang="pt-BR" dirty="0"/>
+          </a:p>
+        </p:txBody>
+      </p:sp>
+      <p:sp>
+        <p:nvSpPr>
+          <p:cNvPr id="3" name="Espaço Reservado para Conteúdo 2"/>
+          <p:cNvSpPr>
+            <a:spLocks noGrp="1"/>
+          </p:cNvSpPr>
+          <p:nvPr>
+            <p:ph idx="1"/>
+          </p:nvPr>
+        </p:nvSpPr>
+        <p:spPr/>
+        <p:txBody>
+          <a:bodyPr/>
+          <a:lstStyle/>
+          <a:p>
+            <a:r>
+              <a:rPr lang="pt-BR" dirty="0" smtClean="0"/>
+              <a:t>O Padrão de Projeto </a:t>
+            </a:r>
+            <a:r>
+              <a:rPr lang="pt-BR" dirty="0" err="1" smtClean="0"/>
+              <a:t>Composite</a:t>
+            </a:r>
+            <a:r>
+              <a:rPr lang="pt-BR" dirty="0" smtClean="0"/>
+              <a:t> tem como objetivo o tratamento de um conjunto de objetos como um único objeto, sendo um padrão do </a:t>
+            </a:r>
+            <a:r>
+              <a:rPr lang="pt-BR" dirty="0"/>
+              <a:t>J</a:t>
+            </a:r>
+            <a:r>
+              <a:rPr lang="pt-BR" dirty="0" smtClean="0"/>
+              <a:t>ava implementado na Interface </a:t>
+            </a:r>
+            <a:r>
+              <a:rPr lang="pt-BR" dirty="0" err="1" smtClean="0"/>
+              <a:t>ArrayList</a:t>
+            </a:r>
+            <a:r>
+              <a:rPr lang="pt-BR" dirty="0" smtClean="0"/>
+              <a:t>.</a:t>
+            </a:r>
+          </a:p>
+          <a:p>
+            <a:r>
+              <a:rPr lang="pt-BR" dirty="0" smtClean="0"/>
+              <a:t>Utilizamos o mesmo para organização de Clientes, Quartos e Recepcionistas e para a serialização dos mesmos, serializando somente o Objeto </a:t>
+            </a:r>
+            <a:r>
+              <a:rPr lang="pt-BR" dirty="0" err="1" smtClean="0"/>
+              <a:t>Array</a:t>
+            </a:r>
+            <a:r>
+              <a:rPr lang="pt-BR" dirty="0" smtClean="0"/>
+              <a:t> </a:t>
+            </a:r>
+            <a:r>
+              <a:rPr lang="pt-BR" dirty="0" err="1" smtClean="0"/>
+              <a:t>List</a:t>
+            </a:r>
+            <a:r>
+              <a:rPr lang="pt-BR" dirty="0" smtClean="0"/>
+              <a:t> ao invés de cada Objeto individualmente.</a:t>
+            </a:r>
+            <a:endParaRPr lang="pt-BR" dirty="0"/>
+          </a:p>
+        </p:txBody>
+      </p:sp>
+    </p:spTree>
+    <p:extLst>
+      <p:ext uri="{BB962C8B-B14F-4D97-AF65-F5344CB8AC3E}">
+        <p14:creationId xmlns:p14="http://schemas.microsoft.com/office/powerpoint/2010/main" val="2797379281"/>
+      </p:ext>
+    </p:extLst>
+  </p:cSld>
+  <p:clrMapOvr>
+    <a:masterClrMapping/>
+  </p:clrMapOvr>
+  <p:timing>
+    <p:tnLst>
+      <p:par>
+        <p:cTn id="1" dur="indefinite" restart="never" nodeType="tmRoot"/>
+      </p:par>
+    </p:tnLst>
+  </p:timing>
+</p:sld>
+</file>
+
+<file path=ppt/slides/slide5.xml><?xml version="1.0" encoding="utf-8"?>
+<p:sld xmlns:a="http://schemas.openxmlformats.org/drawingml/2006/main" xmlns:r="http://schemas.openxmlformats.org/officeDocument/2006/relationships" xmlns:p="http://schemas.openxmlformats.org/presentationml/2006/main">
+  <p:cSld>
+    <p:spTree>
+      <p:nvGrpSpPr>
+        <p:cNvPr id="1" name=""/>
+        <p:cNvGrpSpPr/>
+        <p:nvPr/>
+      </p:nvGrpSpPr>
+      <p:grpSpPr>
+        <a:xfrm>
+          <a:off x="0" y="0"/>
+          <a:ext cx="0" cy="0"/>
+          <a:chOff x="0" y="0"/>
+          <a:chExt cx="0" cy="0"/>
+        </a:xfrm>
+      </p:grpSpPr>
+      <p:sp>
+        <p:nvSpPr>
+          <p:cNvPr id="2" name="Título 1"/>
+          <p:cNvSpPr>
+            <a:spLocks noGrp="1"/>
+          </p:cNvSpPr>
+          <p:nvPr>
+            <p:ph type="title"/>
+          </p:nvPr>
+        </p:nvSpPr>
+        <p:spPr/>
+        <p:txBody>
+          <a:bodyPr/>
+          <a:lstStyle/>
+          <a:p>
+            <a:r>
+              <a:rPr lang="pt-BR" dirty="0"/>
+              <a:t>Exemplos de implementação no projeto</a:t>
+            </a:r>
+          </a:p>
+        </p:txBody>
+      </p:sp>
+      <p:pic>
+        <p:nvPicPr>
+          <p:cNvPr id="4" name="Espaço Reservado para Conteúdo 3"/>
+          <p:cNvPicPr>
+            <a:picLocks noGrp="1" noChangeAspect="1"/>
+          </p:cNvPicPr>
+          <p:nvPr>
+            <p:ph idx="1"/>
+          </p:nvPr>
+        </p:nvPicPr>
+        <p:blipFill rotWithShape="1">
+          <a:blip r:embed="rId2">
+            <a:extLst>
+              <a:ext uri="{28A0092B-C50C-407E-A947-70E740481C1C}">
+                <a14:useLocalDpi xmlns:a14="http://schemas.microsoft.com/office/drawing/2010/main" val="0"/>
+              </a:ext>
+            </a:extLst>
+          </a:blip>
+          <a:srcRect l="8017" t="34016" r="44842" b="60234"/>
+          <a:stretch/>
+        </p:blipFill>
+        <p:spPr>
+          <a:xfrm>
+            <a:off x="977146" y="3284113"/>
+            <a:ext cx="10419724" cy="704791"/>
+          </a:xfrm>
+        </p:spPr>
+      </p:pic>
+    </p:spTree>
+    <p:extLst>
+      <p:ext uri="{BB962C8B-B14F-4D97-AF65-F5344CB8AC3E}">
+        <p14:creationId xmlns:p14="http://schemas.microsoft.com/office/powerpoint/2010/main" val="764031856"/>
       </p:ext>
     </p:extLst>
   </p:cSld>
